--- a/Modbus_DiagramPPT.pptx
+++ b/Modbus_DiagramPPT.pptx
@@ -104,6 +104,11 @@
       </a:defRPr>
     </a:lvl9pPr>
   </p:defaultTextStyle>
+  <p:extLst>
+    <p:ext uri="{EFAFB233-063F-42B5-8137-9DF3F51BA10A}">
+      <p15:sldGuideLst xmlns:p15="http://schemas.microsoft.com/office/powerpoint/2012/main"/>
+    </p:ext>
+  </p:extLst>
 </p:presentation>
 </file>
 
@@ -5177,7 +5182,7 @@
         </p:nvSpPr>
         <p:spPr>
           <a:xfrm>
-            <a:off x="115761" y="4338724"/>
+            <a:off x="2063827" y="4937184"/>
             <a:ext cx="1702906" cy="617589"/>
           </a:xfrm>
           <a:prstGeom prst="roundRect">
@@ -5332,7 +5337,7 @@
         </p:nvCxnSpPr>
         <p:spPr>
           <a:xfrm>
-            <a:off x="129210" y="3871378"/>
+            <a:off x="129210" y="4937184"/>
             <a:ext cx="5110367" cy="0"/>
           </a:xfrm>
           <a:prstGeom prst="line">
@@ -5392,6 +5397,42 @@
           </a:fontRef>
         </p:style>
       </p:cxnSp>
+      <p:pic>
+        <p:nvPicPr>
+          <p:cNvPr id="3" name="Picture 2" descr="A circuit board with many black rectangular objects&#10;&#10;AI-generated content may be incorrect.">
+            <a:extLst>
+              <a:ext uri="{FF2B5EF4-FFF2-40B4-BE49-F238E27FC236}">
+                <a16:creationId xmlns:a16="http://schemas.microsoft.com/office/drawing/2014/main" id="{E6BF77D3-8F29-3869-8BE9-F5232439FA4F}"/>
+              </a:ext>
+            </a:extLst>
+          </p:cNvPr>
+          <p:cNvPicPr>
+            <a:picLocks noChangeAspect="1"/>
+          </p:cNvPicPr>
+          <p:nvPr/>
+        </p:nvPicPr>
+        <p:blipFill>
+          <a:blip r:embed="rId2">
+            <a:extLst>
+              <a:ext uri="{28A0092B-C50C-407E-A947-70E740481C1C}">
+                <a14:useLocalDpi xmlns:a14="http://schemas.microsoft.com/office/drawing/2010/main" val="0"/>
+              </a:ext>
+            </a:extLst>
+          </a:blip>
+          <a:stretch>
+            <a:fillRect/>
+          </a:stretch>
+        </p:blipFill>
+        <p:spPr>
+          <a:xfrm>
+            <a:off x="1310852" y="3315416"/>
+            <a:ext cx="2074487" cy="1484646"/>
+          </a:xfrm>
+          <a:prstGeom prst="rect">
+            <a:avLst/>
+          </a:prstGeom>
+        </p:spPr>
+      </p:pic>
     </p:spTree>
     <p:extLst>
       <p:ext uri="{BB962C8B-B14F-4D97-AF65-F5344CB8AC3E}">
